--- a/2022/June_Batch/5Javascript/2August/05-08-22/3javascript -Built-in-Datastructure.pptx
+++ b/2022/June_Batch/5Javascript/2August/05-08-22/3javascript -Built-in-Datastructure.pptx
@@ -11,8 +11,8 @@
     <p:sldId id="405" r:id="rId5"/>
     <p:sldId id="406" r:id="rId6"/>
     <p:sldId id="376" r:id="rId7"/>
-    <p:sldId id="377" r:id="rId8"/>
-    <p:sldId id="416" r:id="rId9"/>
+    <p:sldId id="417" r:id="rId8"/>
+    <p:sldId id="377" r:id="rId9"/>
   </p:sldIdLst>
   <p:sldSz cx="12192000" cy="6858000"/>
   <p:notesSz cx="6858000" cy="9144000"/>
@@ -262,7 +262,7 @@
             <a:fld id="{7FCC5AE5-E495-4913-B643-A95A6AFABB00}" type="datetimeFigureOut">
               <a:rPr kumimoji="1" lang="ja-JP" altLang="en-US" smtClean="0"/>
               <a:pPr/>
-              <a:t>2022/8/4</a:t>
+              <a:t>2022/8/5</a:t>
             </a:fld>
             <a:endParaRPr kumimoji="1" lang="ja-JP" altLang="en-US"/>
           </a:p>
@@ -434,7 +434,7 @@
             <a:fld id="{7FCC5AE5-E495-4913-B643-A95A6AFABB00}" type="datetimeFigureOut">
               <a:rPr kumimoji="1" lang="ja-JP" altLang="en-US" smtClean="0"/>
               <a:pPr/>
-              <a:t>2022/8/4</a:t>
+              <a:t>2022/8/5</a:t>
             </a:fld>
             <a:endParaRPr kumimoji="1" lang="ja-JP" altLang="en-US"/>
           </a:p>
@@ -616,7 +616,7 @@
             <a:fld id="{7FCC5AE5-E495-4913-B643-A95A6AFABB00}" type="datetimeFigureOut">
               <a:rPr kumimoji="1" lang="ja-JP" altLang="en-US" smtClean="0"/>
               <a:pPr/>
-              <a:t>2022/8/4</a:t>
+              <a:t>2022/8/5</a:t>
             </a:fld>
             <a:endParaRPr kumimoji="1" lang="ja-JP" altLang="en-US"/>
           </a:p>
@@ -788,7 +788,7 @@
             <a:fld id="{7FCC5AE5-E495-4913-B643-A95A6AFABB00}" type="datetimeFigureOut">
               <a:rPr kumimoji="1" lang="ja-JP" altLang="en-US" smtClean="0"/>
               <a:pPr/>
-              <a:t>2022/8/4</a:t>
+              <a:t>2022/8/5</a:t>
             </a:fld>
             <a:endParaRPr kumimoji="1" lang="ja-JP" altLang="en-US"/>
           </a:p>
@@ -1036,7 +1036,7 @@
             <a:fld id="{7FCC5AE5-E495-4913-B643-A95A6AFABB00}" type="datetimeFigureOut">
               <a:rPr kumimoji="1" lang="ja-JP" altLang="en-US" smtClean="0"/>
               <a:pPr/>
-              <a:t>2022/8/4</a:t>
+              <a:t>2022/8/5</a:t>
             </a:fld>
             <a:endParaRPr kumimoji="1" lang="ja-JP" altLang="en-US"/>
           </a:p>
@@ -1270,7 +1270,7 @@
             <a:fld id="{7FCC5AE5-E495-4913-B643-A95A6AFABB00}" type="datetimeFigureOut">
               <a:rPr kumimoji="1" lang="ja-JP" altLang="en-US" smtClean="0"/>
               <a:pPr/>
-              <a:t>2022/8/4</a:t>
+              <a:t>2022/8/5</a:t>
             </a:fld>
             <a:endParaRPr kumimoji="1" lang="ja-JP" altLang="en-US"/>
           </a:p>
@@ -1639,7 +1639,7 @@
             <a:fld id="{7FCC5AE5-E495-4913-B643-A95A6AFABB00}" type="datetimeFigureOut">
               <a:rPr kumimoji="1" lang="ja-JP" altLang="en-US" smtClean="0"/>
               <a:pPr/>
-              <a:t>2022/8/4</a:t>
+              <a:t>2022/8/5</a:t>
             </a:fld>
             <a:endParaRPr kumimoji="1" lang="ja-JP" altLang="en-US"/>
           </a:p>
@@ -1759,7 +1759,7 @@
             <a:fld id="{7FCC5AE5-E495-4913-B643-A95A6AFABB00}" type="datetimeFigureOut">
               <a:rPr kumimoji="1" lang="ja-JP" altLang="en-US" smtClean="0"/>
               <a:pPr/>
-              <a:t>2022/8/4</a:t>
+              <a:t>2022/8/5</a:t>
             </a:fld>
             <a:endParaRPr kumimoji="1" lang="ja-JP" altLang="en-US"/>
           </a:p>
@@ -1856,7 +1856,7 @@
             <a:fld id="{7FCC5AE5-E495-4913-B643-A95A6AFABB00}" type="datetimeFigureOut">
               <a:rPr kumimoji="1" lang="ja-JP" altLang="en-US" smtClean="0"/>
               <a:pPr/>
-              <a:t>2022/8/4</a:t>
+              <a:t>2022/8/5</a:t>
             </a:fld>
             <a:endParaRPr kumimoji="1" lang="ja-JP" altLang="en-US"/>
           </a:p>
@@ -2135,7 +2135,7 @@
             <a:fld id="{7FCC5AE5-E495-4913-B643-A95A6AFABB00}" type="datetimeFigureOut">
               <a:rPr kumimoji="1" lang="ja-JP" altLang="en-US" smtClean="0"/>
               <a:pPr/>
-              <a:t>2022/8/4</a:t>
+              <a:t>2022/8/5</a:t>
             </a:fld>
             <a:endParaRPr kumimoji="1" lang="ja-JP" altLang="en-US"/>
           </a:p>
@@ -2394,7 +2394,7 @@
             <a:fld id="{7FCC5AE5-E495-4913-B643-A95A6AFABB00}" type="datetimeFigureOut">
               <a:rPr kumimoji="1" lang="ja-JP" altLang="en-US" smtClean="0"/>
               <a:pPr/>
-              <a:t>2022/8/4</a:t>
+              <a:t>2022/8/5</a:t>
             </a:fld>
             <a:endParaRPr kumimoji="1" lang="ja-JP" altLang="en-US"/>
           </a:p>
@@ -2609,7 +2609,7 @@
             <a:fld id="{7FCC5AE5-E495-4913-B643-A95A6AFABB00}" type="datetimeFigureOut">
               <a:rPr kumimoji="1" lang="ja-JP" altLang="en-US" smtClean="0"/>
               <a:pPr/>
-              <a:t>2022/8/4</a:t>
+              <a:t>2022/8/5</a:t>
             </a:fld>
             <a:endParaRPr kumimoji="1" lang="ja-JP" altLang="en-US"/>
           </a:p>
@@ -4710,6 +4710,39 @@
           </a:p>
         </p:txBody>
       </p:sp>
+      <p:pic>
+        <p:nvPicPr>
+          <p:cNvPr id="1026" name="Picture 2"/>
+          <p:cNvPicPr>
+            <a:picLocks noChangeAspect="1" noChangeArrowheads="1"/>
+          </p:cNvPicPr>
+          <p:nvPr/>
+        </p:nvPicPr>
+        <p:blipFill>
+          <a:blip r:embed="rId2"/>
+          <a:srcRect/>
+          <a:stretch>
+            <a:fillRect/>
+          </a:stretch>
+        </p:blipFill>
+        <p:spPr bwMode="auto">
+          <a:xfrm>
+            <a:off x="5917475" y="979714"/>
+            <a:ext cx="5985510" cy="5181193"/>
+          </a:xfrm>
+          <a:prstGeom prst="rect">
+            <a:avLst/>
+          </a:prstGeom>
+          <a:noFill/>
+          <a:ln w="9525">
+            <a:noFill/>
+            <a:miter lim="800000"/>
+            <a:headEnd/>
+            <a:tailEnd/>
+          </a:ln>
+          <a:effectLst/>
+        </p:spPr>
+      </p:pic>
     </p:spTree>
     <p:extLst>
       <p:ext uri="{BB962C8B-B14F-4D97-AF65-F5344CB8AC3E}">
@@ -4731,6 +4764,89 @@
 </file>
 
 <file path=ppt/slides/slide7.xml><?xml version="1.0" encoding="utf-8"?>
+<p:sld xmlns:a="http://schemas.openxmlformats.org/drawingml/2006/main" xmlns:r="http://schemas.openxmlformats.org/officeDocument/2006/relationships" xmlns:p="http://schemas.openxmlformats.org/presentationml/2006/main">
+  <p:cSld>
+    <p:spTree>
+      <p:nvGrpSpPr>
+        <p:cNvPr id="1" name=""/>
+        <p:cNvGrpSpPr/>
+        <p:nvPr/>
+      </p:nvGrpSpPr>
+      <p:grpSpPr>
+        <a:xfrm>
+          <a:off x="0" y="0"/>
+          <a:ext cx="0" cy="0"/>
+          <a:chOff x="0" y="0"/>
+          <a:chExt cx="0" cy="0"/>
+        </a:xfrm>
+      </p:grpSpPr>
+      <p:sp>
+        <p:nvSpPr>
+          <p:cNvPr id="2" name="Title 1"/>
+          <p:cNvSpPr>
+            <a:spLocks noGrp="1"/>
+          </p:cNvSpPr>
+          <p:nvPr>
+            <p:ph type="title"/>
+          </p:nvPr>
+        </p:nvSpPr>
+        <p:spPr/>
+        <p:txBody>
+          <a:bodyPr/>
+          <a:lstStyle/>
+          <a:p>
+            <a:r>
+              <a:rPr lang="en-US" dirty="0" smtClean="0"/>
+              <a:t>Writing Method inside the object</a:t>
+            </a:r>
+            <a:endParaRPr lang="en-US" dirty="0"/>
+          </a:p>
+        </p:txBody>
+      </p:sp>
+      <p:pic>
+        <p:nvPicPr>
+          <p:cNvPr id="2050" name="Picture 2"/>
+          <p:cNvPicPr>
+            <a:picLocks noGrp="1" noChangeAspect="1" noChangeArrowheads="1"/>
+          </p:cNvPicPr>
+          <p:nvPr>
+            <p:ph idx="1"/>
+          </p:nvPr>
+        </p:nvPicPr>
+        <p:blipFill>
+          <a:blip r:embed="rId2"/>
+          <a:srcRect/>
+          <a:stretch>
+            <a:fillRect/>
+          </a:stretch>
+        </p:blipFill>
+        <p:spPr bwMode="auto">
+          <a:xfrm>
+            <a:off x="966651" y="1567542"/>
+            <a:ext cx="9326880" cy="4767943"/>
+          </a:xfrm>
+          <a:prstGeom prst="rect">
+            <a:avLst/>
+          </a:prstGeom>
+          <a:noFill/>
+          <a:ln w="9525">
+            <a:noFill/>
+            <a:miter lim="800000"/>
+            <a:headEnd/>
+            <a:tailEnd/>
+          </a:ln>
+          <a:effectLst/>
+        </p:spPr>
+      </p:pic>
+    </p:spTree>
+  </p:cSld>
+  <p:clrMapOvr>
+    <a:masterClrMapping/>
+  </p:clrMapOvr>
+</p:sld>
+</file>
+
+<file path=ppt/slides/slide8.xml><?xml version="1.0" encoding="utf-8"?>
 <p:sld xmlns:a="http://schemas.openxmlformats.org/drawingml/2006/main" xmlns:r="http://schemas.openxmlformats.org/officeDocument/2006/relationships" xmlns:p="http://schemas.openxmlformats.org/presentationml/2006/main">
   <p:cSld>
     <p:spTree>
@@ -5251,89 +5367,6 @@
       </p:par>
     </p:tnLst>
   </p:timing>
-</p:sld>
-</file>
-
-<file path=ppt/slides/slide8.xml><?xml version="1.0" encoding="utf-8"?>
-<p:sld xmlns:a="http://schemas.openxmlformats.org/drawingml/2006/main" xmlns:r="http://schemas.openxmlformats.org/officeDocument/2006/relationships" xmlns:p="http://schemas.openxmlformats.org/presentationml/2006/main">
-  <p:cSld>
-    <p:spTree>
-      <p:nvGrpSpPr>
-        <p:cNvPr id="1" name=""/>
-        <p:cNvGrpSpPr/>
-        <p:nvPr/>
-      </p:nvGrpSpPr>
-      <p:grpSpPr>
-        <a:xfrm>
-          <a:off x="0" y="0"/>
-          <a:ext cx="0" cy="0"/>
-          <a:chOff x="0" y="0"/>
-          <a:chExt cx="0" cy="0"/>
-        </a:xfrm>
-      </p:grpSpPr>
-      <p:sp>
-        <p:nvSpPr>
-          <p:cNvPr id="2" name="Title 1"/>
-          <p:cNvSpPr>
-            <a:spLocks noGrp="1"/>
-          </p:cNvSpPr>
-          <p:nvPr>
-            <p:ph type="title"/>
-          </p:nvPr>
-        </p:nvSpPr>
-        <p:spPr/>
-        <p:txBody>
-          <a:bodyPr/>
-          <a:lstStyle/>
-          <a:p>
-            <a:r>
-              <a:rPr lang="en-US" dirty="0" err="1" smtClean="0"/>
-              <a:t>Map,Filter,Reduce</a:t>
-            </a:r>
-            <a:endParaRPr lang="en-US" dirty="0"/>
-          </a:p>
-        </p:txBody>
-      </p:sp>
-      <p:pic>
-        <p:nvPicPr>
-          <p:cNvPr id="8194" name="Picture 2"/>
-          <p:cNvPicPr>
-            <a:picLocks noGrp="1" noChangeAspect="1" noChangeArrowheads="1"/>
-          </p:cNvPicPr>
-          <p:nvPr>
-            <p:ph idx="1"/>
-          </p:nvPr>
-        </p:nvPicPr>
-        <p:blipFill>
-          <a:blip r:embed="rId2"/>
-          <a:srcRect/>
-          <a:stretch>
-            <a:fillRect/>
-          </a:stretch>
-        </p:blipFill>
-        <p:spPr bwMode="auto">
-          <a:xfrm>
-            <a:off x="1070189" y="1525180"/>
-            <a:ext cx="10216119" cy="5058500"/>
-          </a:xfrm>
-          <a:prstGeom prst="rect">
-            <a:avLst/>
-          </a:prstGeom>
-          <a:noFill/>
-          <a:ln w="9525">
-            <a:noFill/>
-            <a:miter lim="800000"/>
-            <a:headEnd/>
-            <a:tailEnd/>
-          </a:ln>
-          <a:effectLst/>
-        </p:spPr>
-      </p:pic>
-    </p:spTree>
-  </p:cSld>
-  <p:clrMapOvr>
-    <a:masterClrMapping/>
-  </p:clrMapOvr>
 </p:sld>
 </file>
 
